--- a/TeamProject/src/ppt/3조_호텔예약프로그램(장용범,김태호,신우현).pptx
+++ b/TeamProject/src/ppt/3조_호텔예약프로그램(장용범,김태호,신우현).pptx
@@ -38,20 +38,20 @@
   <p:notesSz cx="6858000" cy="9144000"/>
   <p:embeddedFontLst>
     <p:embeddedFont>
-      <p:font typeface="맑은 고딕" pitchFamily="50" charset="-127"/>
+      <p:font typeface="Lato" charset="0"/>
       <p:regular r:id="rId28"/>
       <p:bold r:id="rId29"/>
+      <p:italic r:id="rId30"/>
+      <p:boldItalic r:id="rId31"/>
+    </p:embeddedFont>
+    <p:embeddedFont>
+      <p:font typeface="맑은 고딕" pitchFamily="50" charset="-127"/>
+      <p:regular r:id="rId32"/>
+      <p:bold r:id="rId33"/>
     </p:embeddedFont>
     <p:embeddedFont>
       <p:font typeface="G마켓 산스 TTF Bold" pitchFamily="2" charset="-127"/>
-      <p:bold r:id="rId30"/>
-    </p:embeddedFont>
-    <p:embeddedFont>
-      <p:font typeface="Lato" charset="0"/>
-      <p:regular r:id="rId31"/>
-      <p:bold r:id="rId32"/>
-      <p:italic r:id="rId33"/>
-      <p:boldItalic r:id="rId34"/>
+      <p:bold r:id="rId34"/>
     </p:embeddedFont>
   </p:embeddedFontLst>
   <p:defaultTextStyle>
@@ -285,7 +285,7 @@
   </p:defaultTextStyle>
   <p:extLst>
     <p:ext uri="{EFAFB233-063F-42B5-8137-9DF3F51BA10A}">
-      <p15:sldGuideLst xmlns="" xmlns:p15="http://schemas.microsoft.com/office/powerpoint/2012/main">
+      <p15:sldGuideLst xmlns:p15="http://schemas.microsoft.com/office/powerpoint/2012/main" xmlns="">
         <p15:guide id="1" orient="horz" pos="1620">
           <p15:clr>
             <a:srgbClr val="A4A3A4"/>
@@ -6719,11 +6719,7 @@
             </a:pPr>
             <a:r>
               <a:rPr lang="en-US" altLang="ko-KR" sz="1600" dirty="0" smtClean="0"/>
-              <a:t>2-3) Hotel </a:t>
-            </a:r>
-            <a:r>
-              <a:rPr lang="en-US" altLang="ko-KR" sz="1600" dirty="0" smtClean="0"/>
-              <a:t>interface - </a:t>
+              <a:t>2-3) Hotel interface - </a:t>
             </a:r>
             <a:r>
               <a:rPr lang="ko-KR" altLang="en-US" sz="1600" b="1" dirty="0" smtClean="0">
@@ -6778,11 +6774,7 @@
             </a:pPr>
             <a:r>
               <a:rPr lang="en-US" altLang="ko-KR" sz="1050" dirty="0" smtClean="0"/>
-              <a:t>- 1</a:t>
-            </a:r>
-            <a:r>
-              <a:rPr lang="en-US" altLang="ko-KR" sz="1050" dirty="0" smtClean="0"/>
-              <a:t>. </a:t>
+              <a:t>- 1. </a:t>
             </a:r>
             <a:r>
               <a:rPr lang="ko-KR" altLang="en-US" sz="1050" dirty="0" smtClean="0"/>
@@ -6891,7 +6883,6 @@
               <a:rPr lang="en-US" altLang="ko-KR" sz="900" dirty="0" smtClean="0"/>
               <a:t>) )</a:t>
             </a:r>
-            <a:endParaRPr lang="en-US" altLang="ko-KR" sz="900" dirty="0" smtClean="0"/>
           </a:p>
           <a:p>
             <a:pPr>
@@ -7226,7 +7217,6 @@
               <a:rPr lang="ko-KR" altLang="en-US" sz="2200" dirty="0"/>
               <a:t>코드설계</a:t>
             </a:r>
-            <a:endParaRPr lang="ko-KR" altLang="en-US" sz="2200" dirty="0"/>
           </a:p>
         </p:txBody>
       </p:sp>
@@ -7803,11 +7793,7 @@
             </a:pPr>
             <a:r>
               <a:rPr lang="en-US" altLang="ko-KR" sz="1050" dirty="0" smtClean="0"/>
-              <a:t>- 1</a:t>
-            </a:r>
-            <a:r>
-              <a:rPr lang="en-US" altLang="ko-KR" sz="1050" dirty="0" smtClean="0"/>
-              <a:t>. </a:t>
+              <a:t>- 1. </a:t>
             </a:r>
             <a:r>
               <a:rPr lang="ko-KR" altLang="en-US" sz="1050" dirty="0" smtClean="0"/>
@@ -8178,7 +8164,6 @@
               <a:rPr lang="ko-KR" altLang="en-US" sz="2200" dirty="0"/>
               <a:t>코드설계</a:t>
             </a:r>
-            <a:endParaRPr lang="ko-KR" altLang="en-US" sz="2200" dirty="0"/>
           </a:p>
         </p:txBody>
       </p:sp>
@@ -9346,7 +9331,6 @@
               <a:rPr lang="ko-KR" altLang="en-US" sz="2200" dirty="0"/>
               <a:t>코드설계</a:t>
             </a:r>
-            <a:endParaRPr lang="ko-KR" altLang="en-US" sz="2200" dirty="0"/>
           </a:p>
         </p:txBody>
       </p:sp>
@@ -10736,7 +10720,6 @@
               <a:rPr lang="ko-KR" altLang="en-US" sz="2200" dirty="0"/>
               <a:t>코드설계</a:t>
             </a:r>
-            <a:endParaRPr lang="ko-KR" altLang="en-US" sz="2200" dirty="0"/>
           </a:p>
         </p:txBody>
       </p:sp>
@@ -12033,7 +12016,6 @@
               <a:rPr lang="ko-KR" altLang="en-US" sz="2200" dirty="0"/>
               <a:t>코드설계</a:t>
             </a:r>
-            <a:endParaRPr lang="ko-KR" altLang="en-US" sz="2200" dirty="0"/>
           </a:p>
         </p:txBody>
       </p:sp>
@@ -13845,7 +13827,6 @@
               <a:rPr lang="ko-KR" altLang="en-US" sz="2200" dirty="0"/>
               <a:t>코드설계</a:t>
             </a:r>
-            <a:endParaRPr lang="ko-KR" altLang="en-US" sz="2200" dirty="0"/>
           </a:p>
         </p:txBody>
       </p:sp>
@@ -15487,7 +15468,6 @@
               <a:rPr lang="ko-KR" altLang="en-US" sz="2200" dirty="0"/>
               <a:t>코드설계</a:t>
             </a:r>
-            <a:endParaRPr lang="ko-KR" altLang="en-US" sz="2200" dirty="0"/>
           </a:p>
         </p:txBody>
       </p:sp>
@@ -16127,115 +16107,6 @@
               <a:t>화면구현 </a:t>
             </a:r>
             <a:endParaRPr lang="en-US" altLang="ko-KR" sz="2400" b="1" dirty="0"/>
-          </a:p>
-        </p:txBody>
-      </p:sp>
-      <p:sp>
-        <p:nvSpPr>
-          <p:cNvPr id="7" name="모서리가 둥근 직사각형 6"/>
-          <p:cNvSpPr/>
-          <p:nvPr/>
-        </p:nvSpPr>
-        <p:spPr>
-          <a:xfrm>
-            <a:off x="150359" y="4744150"/>
-            <a:ext cx="1697490" cy="333265"/>
-          </a:xfrm>
-          <a:prstGeom prst="roundRect">
-            <a:avLst/>
-          </a:prstGeom>
-          <a:solidFill>
-            <a:schemeClr val="lt1">
-              <a:alpha val="50000"/>
-            </a:schemeClr>
-          </a:solidFill>
-          <a:ln w="12700"/>
-        </p:spPr>
-        <p:style>
-          <a:lnRef idx="2">
-            <a:schemeClr val="dk1"/>
-          </a:lnRef>
-          <a:fillRef idx="1">
-            <a:schemeClr val="lt1"/>
-          </a:fillRef>
-          <a:effectRef idx="0">
-            <a:schemeClr val="dk1"/>
-          </a:effectRef>
-          <a:fontRef idx="minor">
-            <a:schemeClr val="dk1"/>
-          </a:fontRef>
-        </p:style>
-        <p:txBody>
-          <a:bodyPr rtlCol="0" anchor="ctr"/>
-          <a:lstStyle/>
-          <a:p>
-            <a:pPr algn="r"/>
-            <a:r>
-              <a:rPr lang="en-US" altLang="ko-KR" sz="600" smtClean="0"/>
-              <a:t>11</a:t>
-            </a:r>
-            <a:r>
-              <a:rPr lang="en-US" altLang="ko-KR" sz="600" dirty="0" smtClean="0"/>
-              <a:t>. Thread class</a:t>
-            </a:r>
-          </a:p>
-        </p:txBody>
-      </p:sp>
-      <p:sp>
-        <p:nvSpPr>
-          <p:cNvPr id="8" name="모서리가 둥근 직사각형 7"/>
-          <p:cNvSpPr/>
-          <p:nvPr/>
-        </p:nvSpPr>
-        <p:spPr>
-          <a:xfrm>
-            <a:off x="150359" y="4744152"/>
-            <a:ext cx="695461" cy="333263"/>
-          </a:xfrm>
-          <a:prstGeom prst="roundRect">
-            <a:avLst/>
-          </a:prstGeom>
-          <a:ln/>
-        </p:spPr>
-        <p:style>
-          <a:lnRef idx="2">
-            <a:schemeClr val="dk1"/>
-          </a:lnRef>
-          <a:fillRef idx="1">
-            <a:schemeClr val="lt1"/>
-          </a:fillRef>
-          <a:effectRef idx="0">
-            <a:schemeClr val="dk1"/>
-          </a:effectRef>
-          <a:fontRef idx="minor">
-            <a:schemeClr val="dk1"/>
-          </a:fontRef>
-        </p:style>
-        <p:txBody>
-          <a:bodyPr rtlCol="0" anchor="ctr"/>
-          <a:lstStyle/>
-          <a:p>
-            <a:pPr algn="ctr"/>
-            <a:r>
-              <a:rPr lang="en-US" altLang="ko-KR" sz="800" dirty="0"/>
-              <a:t>M(</a:t>
-            </a:r>
-            <a:r>
-              <a:rPr lang="ko-KR" altLang="en-US" sz="800" dirty="0"/>
-              <a:t>데이터</a:t>
-            </a:r>
-            <a:r>
-              <a:rPr lang="en-US" altLang="ko-KR" sz="800" dirty="0"/>
-              <a:t>)</a:t>
-            </a:r>
-            <a:br>
-              <a:rPr lang="en-US" altLang="ko-KR" sz="800" dirty="0"/>
-            </a:br>
-            <a:r>
-              <a:rPr lang="en-US" altLang="ko-KR" sz="800" dirty="0" smtClean="0"/>
-              <a:t>*database</a:t>
-            </a:r>
-            <a:endParaRPr lang="ko-KR" altLang="en-US" sz="800" dirty="0"/>
           </a:p>
         </p:txBody>
       </p:sp>
@@ -16971,6 +16842,80 @@
           </a:p>
         </p:txBody>
       </p:sp>
+      <p:sp>
+        <p:nvSpPr>
+          <p:cNvPr id="16" name="모서리가 둥근 직사각형 15"/>
+          <p:cNvSpPr/>
+          <p:nvPr/>
+        </p:nvSpPr>
+        <p:spPr>
+          <a:xfrm>
+            <a:off x="150359" y="4744152"/>
+            <a:ext cx="695461" cy="333263"/>
+          </a:xfrm>
+          <a:prstGeom prst="roundRect">
+            <a:avLst/>
+          </a:prstGeom>
+          <a:ln/>
+        </p:spPr>
+        <p:style>
+          <a:lnRef idx="2">
+            <a:schemeClr val="accent1"/>
+          </a:lnRef>
+          <a:fillRef idx="1">
+            <a:schemeClr val="lt1"/>
+          </a:fillRef>
+          <a:effectRef idx="0">
+            <a:schemeClr val="accent1"/>
+          </a:effectRef>
+          <a:fontRef idx="minor">
+            <a:schemeClr val="dk1"/>
+          </a:fontRef>
+        </p:style>
+        <p:txBody>
+          <a:bodyPr rtlCol="0" anchor="ctr"/>
+          <a:lstStyle/>
+          <a:p>
+            <a:pPr algn="ctr"/>
+            <a:r>
+              <a:rPr lang="en-US" altLang="ko-KR" sz="800" dirty="0" err="1" smtClean="0">
+                <a:solidFill>
+                  <a:schemeClr val="bg2"/>
+                </a:solidFill>
+              </a:rPr>
+              <a:t>Consel</a:t>
+            </a:r>
+            <a:r>
+              <a:rPr lang="en-US" altLang="ko-KR" sz="800" dirty="0" smtClean="0">
+                <a:solidFill>
+                  <a:schemeClr val="bg2"/>
+                </a:solidFill>
+              </a:rPr>
+              <a:t/>
+            </a:r>
+            <a:br>
+              <a:rPr lang="en-US" altLang="ko-KR" sz="800" dirty="0" smtClean="0">
+                <a:solidFill>
+                  <a:schemeClr val="bg2"/>
+                </a:solidFill>
+              </a:rPr>
+            </a:br>
+            <a:r>
+              <a:rPr lang="ko-KR" altLang="en-US" sz="800" dirty="0" smtClean="0">
+                <a:solidFill>
+                  <a:schemeClr val="bg2"/>
+                </a:solidFill>
+              </a:rPr>
+              <a:t>화면구현</a:t>
+            </a:r>
+            <a:endParaRPr lang="ko-KR" altLang="en-US" sz="800" dirty="0">
+              <a:solidFill>
+                <a:schemeClr val="bg2"/>
+              </a:solidFill>
+            </a:endParaRPr>
+          </a:p>
+        </p:txBody>
+      </p:sp>
     </p:spTree>
     <p:extLst>
       <p:ext uri="{BB962C8B-B14F-4D97-AF65-F5344CB8AC3E}">
@@ -17291,115 +17236,6 @@
               <a:t>화면구현 </a:t>
             </a:r>
             <a:endParaRPr lang="en-US" altLang="ko-KR" sz="2400" b="1" dirty="0"/>
-          </a:p>
-        </p:txBody>
-      </p:sp>
-      <p:sp>
-        <p:nvSpPr>
-          <p:cNvPr id="7" name="모서리가 둥근 직사각형 6"/>
-          <p:cNvSpPr/>
-          <p:nvPr/>
-        </p:nvSpPr>
-        <p:spPr>
-          <a:xfrm>
-            <a:off x="150359" y="4744150"/>
-            <a:ext cx="1697490" cy="333265"/>
-          </a:xfrm>
-          <a:prstGeom prst="roundRect">
-            <a:avLst/>
-          </a:prstGeom>
-          <a:solidFill>
-            <a:schemeClr val="lt1">
-              <a:alpha val="50000"/>
-            </a:schemeClr>
-          </a:solidFill>
-          <a:ln w="12700"/>
-        </p:spPr>
-        <p:style>
-          <a:lnRef idx="2">
-            <a:schemeClr val="dk1"/>
-          </a:lnRef>
-          <a:fillRef idx="1">
-            <a:schemeClr val="lt1"/>
-          </a:fillRef>
-          <a:effectRef idx="0">
-            <a:schemeClr val="dk1"/>
-          </a:effectRef>
-          <a:fontRef idx="minor">
-            <a:schemeClr val="dk1"/>
-          </a:fontRef>
-        </p:style>
-        <p:txBody>
-          <a:bodyPr rtlCol="0" anchor="ctr"/>
-          <a:lstStyle/>
-          <a:p>
-            <a:pPr algn="r"/>
-            <a:r>
-              <a:rPr lang="en-US" altLang="ko-KR" sz="600" smtClean="0"/>
-              <a:t>11</a:t>
-            </a:r>
-            <a:r>
-              <a:rPr lang="en-US" altLang="ko-KR" sz="600" dirty="0" smtClean="0"/>
-              <a:t>. Thread class</a:t>
-            </a:r>
-          </a:p>
-        </p:txBody>
-      </p:sp>
-      <p:sp>
-        <p:nvSpPr>
-          <p:cNvPr id="8" name="모서리가 둥근 직사각형 7"/>
-          <p:cNvSpPr/>
-          <p:nvPr/>
-        </p:nvSpPr>
-        <p:spPr>
-          <a:xfrm>
-            <a:off x="150359" y="4744152"/>
-            <a:ext cx="695461" cy="333263"/>
-          </a:xfrm>
-          <a:prstGeom prst="roundRect">
-            <a:avLst/>
-          </a:prstGeom>
-          <a:ln/>
-        </p:spPr>
-        <p:style>
-          <a:lnRef idx="2">
-            <a:schemeClr val="dk1"/>
-          </a:lnRef>
-          <a:fillRef idx="1">
-            <a:schemeClr val="lt1"/>
-          </a:fillRef>
-          <a:effectRef idx="0">
-            <a:schemeClr val="dk1"/>
-          </a:effectRef>
-          <a:fontRef idx="minor">
-            <a:schemeClr val="dk1"/>
-          </a:fontRef>
-        </p:style>
-        <p:txBody>
-          <a:bodyPr rtlCol="0" anchor="ctr"/>
-          <a:lstStyle/>
-          <a:p>
-            <a:pPr algn="ctr"/>
-            <a:r>
-              <a:rPr lang="en-US" altLang="ko-KR" sz="800" dirty="0"/>
-              <a:t>M(</a:t>
-            </a:r>
-            <a:r>
-              <a:rPr lang="ko-KR" altLang="en-US" sz="800" dirty="0"/>
-              <a:t>데이터</a:t>
-            </a:r>
-            <a:r>
-              <a:rPr lang="en-US" altLang="ko-KR" sz="800" dirty="0"/>
-              <a:t>)</a:t>
-            </a:r>
-            <a:br>
-              <a:rPr lang="en-US" altLang="ko-KR" sz="800" dirty="0"/>
-            </a:br>
-            <a:r>
-              <a:rPr lang="en-US" altLang="ko-KR" sz="800" dirty="0" smtClean="0"/>
-              <a:t>*database</a:t>
-            </a:r>
-            <a:endParaRPr lang="ko-KR" altLang="en-US" sz="800" dirty="0"/>
           </a:p>
         </p:txBody>
       </p:sp>
@@ -18437,7 +18273,80 @@
               <a:rPr lang="en-US" altLang="ko-KR" sz="1600" dirty="0" smtClean="0"/>
               <a:t>)</a:t>
             </a:r>
-            <a:endParaRPr lang="en-US" altLang="ko-KR" sz="1600" dirty="0" smtClean="0"/>
+          </a:p>
+        </p:txBody>
+      </p:sp>
+      <p:sp>
+        <p:nvSpPr>
+          <p:cNvPr id="19" name="모서리가 둥근 직사각형 18"/>
+          <p:cNvSpPr/>
+          <p:nvPr/>
+        </p:nvSpPr>
+        <p:spPr>
+          <a:xfrm>
+            <a:off x="150359" y="4744152"/>
+            <a:ext cx="695461" cy="333263"/>
+          </a:xfrm>
+          <a:prstGeom prst="roundRect">
+            <a:avLst/>
+          </a:prstGeom>
+          <a:ln/>
+        </p:spPr>
+        <p:style>
+          <a:lnRef idx="2">
+            <a:schemeClr val="accent1"/>
+          </a:lnRef>
+          <a:fillRef idx="1">
+            <a:schemeClr val="lt1"/>
+          </a:fillRef>
+          <a:effectRef idx="0">
+            <a:schemeClr val="accent1"/>
+          </a:effectRef>
+          <a:fontRef idx="minor">
+            <a:schemeClr val="dk1"/>
+          </a:fontRef>
+        </p:style>
+        <p:txBody>
+          <a:bodyPr rtlCol="0" anchor="ctr"/>
+          <a:lstStyle/>
+          <a:p>
+            <a:pPr algn="ctr"/>
+            <a:r>
+              <a:rPr lang="en-US" altLang="ko-KR" sz="800" dirty="0" err="1" smtClean="0">
+                <a:solidFill>
+                  <a:schemeClr val="bg2"/>
+                </a:solidFill>
+              </a:rPr>
+              <a:t>Consel</a:t>
+            </a:r>
+            <a:r>
+              <a:rPr lang="en-US" altLang="ko-KR" sz="800" dirty="0" smtClean="0">
+                <a:solidFill>
+                  <a:schemeClr val="bg2"/>
+                </a:solidFill>
+              </a:rPr>
+              <a:t/>
+            </a:r>
+            <a:br>
+              <a:rPr lang="en-US" altLang="ko-KR" sz="800" dirty="0" smtClean="0">
+                <a:solidFill>
+                  <a:schemeClr val="bg2"/>
+                </a:solidFill>
+              </a:rPr>
+            </a:br>
+            <a:r>
+              <a:rPr lang="ko-KR" altLang="en-US" sz="800" dirty="0" smtClean="0">
+                <a:solidFill>
+                  <a:schemeClr val="bg2"/>
+                </a:solidFill>
+              </a:rPr>
+              <a:t>화면구현</a:t>
+            </a:r>
+            <a:endParaRPr lang="ko-KR" altLang="en-US" sz="800" dirty="0">
+              <a:solidFill>
+                <a:schemeClr val="bg2"/>
+              </a:solidFill>
+            </a:endParaRPr>
           </a:p>
         </p:txBody>
       </p:sp>
@@ -18761,115 +18670,6 @@
               <a:t>화면구현 </a:t>
             </a:r>
             <a:endParaRPr lang="en-US" altLang="ko-KR" sz="2400" b="1" dirty="0"/>
-          </a:p>
-        </p:txBody>
-      </p:sp>
-      <p:sp>
-        <p:nvSpPr>
-          <p:cNvPr id="7" name="모서리가 둥근 직사각형 6"/>
-          <p:cNvSpPr/>
-          <p:nvPr/>
-        </p:nvSpPr>
-        <p:spPr>
-          <a:xfrm>
-            <a:off x="150359" y="4744150"/>
-            <a:ext cx="1697490" cy="333265"/>
-          </a:xfrm>
-          <a:prstGeom prst="roundRect">
-            <a:avLst/>
-          </a:prstGeom>
-          <a:solidFill>
-            <a:schemeClr val="lt1">
-              <a:alpha val="50000"/>
-            </a:schemeClr>
-          </a:solidFill>
-          <a:ln w="12700"/>
-        </p:spPr>
-        <p:style>
-          <a:lnRef idx="2">
-            <a:schemeClr val="dk1"/>
-          </a:lnRef>
-          <a:fillRef idx="1">
-            <a:schemeClr val="lt1"/>
-          </a:fillRef>
-          <a:effectRef idx="0">
-            <a:schemeClr val="dk1"/>
-          </a:effectRef>
-          <a:fontRef idx="minor">
-            <a:schemeClr val="dk1"/>
-          </a:fontRef>
-        </p:style>
-        <p:txBody>
-          <a:bodyPr rtlCol="0" anchor="ctr"/>
-          <a:lstStyle/>
-          <a:p>
-            <a:pPr algn="r"/>
-            <a:r>
-              <a:rPr lang="en-US" altLang="ko-KR" sz="600" smtClean="0"/>
-              <a:t>11</a:t>
-            </a:r>
-            <a:r>
-              <a:rPr lang="en-US" altLang="ko-KR" sz="600" dirty="0" smtClean="0"/>
-              <a:t>. Thread class</a:t>
-            </a:r>
-          </a:p>
-        </p:txBody>
-      </p:sp>
-      <p:sp>
-        <p:nvSpPr>
-          <p:cNvPr id="8" name="모서리가 둥근 직사각형 7"/>
-          <p:cNvSpPr/>
-          <p:nvPr/>
-        </p:nvSpPr>
-        <p:spPr>
-          <a:xfrm>
-            <a:off x="150359" y="4744152"/>
-            <a:ext cx="695461" cy="333263"/>
-          </a:xfrm>
-          <a:prstGeom prst="roundRect">
-            <a:avLst/>
-          </a:prstGeom>
-          <a:ln/>
-        </p:spPr>
-        <p:style>
-          <a:lnRef idx="2">
-            <a:schemeClr val="dk1"/>
-          </a:lnRef>
-          <a:fillRef idx="1">
-            <a:schemeClr val="lt1"/>
-          </a:fillRef>
-          <a:effectRef idx="0">
-            <a:schemeClr val="dk1"/>
-          </a:effectRef>
-          <a:fontRef idx="minor">
-            <a:schemeClr val="dk1"/>
-          </a:fontRef>
-        </p:style>
-        <p:txBody>
-          <a:bodyPr rtlCol="0" anchor="ctr"/>
-          <a:lstStyle/>
-          <a:p>
-            <a:pPr algn="ctr"/>
-            <a:r>
-              <a:rPr lang="en-US" altLang="ko-KR" sz="800" dirty="0"/>
-              <a:t>M(</a:t>
-            </a:r>
-            <a:r>
-              <a:rPr lang="ko-KR" altLang="en-US" sz="800" dirty="0"/>
-              <a:t>데이터</a:t>
-            </a:r>
-            <a:r>
-              <a:rPr lang="en-US" altLang="ko-KR" sz="800" dirty="0"/>
-              <a:t>)</a:t>
-            </a:r>
-            <a:br>
-              <a:rPr lang="en-US" altLang="ko-KR" sz="800" dirty="0"/>
-            </a:br>
-            <a:r>
-              <a:rPr lang="en-US" altLang="ko-KR" sz="800" dirty="0" smtClean="0"/>
-              <a:t>*database</a:t>
-            </a:r>
-            <a:endParaRPr lang="ko-KR" altLang="en-US" sz="800" dirty="0"/>
           </a:p>
         </p:txBody>
       </p:sp>
@@ -19658,7 +19458,6 @@
               <a:rPr lang="en-US" altLang="ko-KR" sz="1600" dirty="0" smtClean="0"/>
               <a:t>)</a:t>
             </a:r>
-            <a:endParaRPr lang="en-US" altLang="ko-KR" sz="1600" dirty="0" smtClean="0"/>
           </a:p>
         </p:txBody>
       </p:sp>
@@ -19705,6 +19504,80 @@
           <a:p>
             <a:pPr algn="ctr"/>
             <a:endParaRPr lang="ko-KR" altLang="en-US"/>
+          </a:p>
+        </p:txBody>
+      </p:sp>
+      <p:sp>
+        <p:nvSpPr>
+          <p:cNvPr id="15" name="모서리가 둥근 직사각형 14"/>
+          <p:cNvSpPr/>
+          <p:nvPr/>
+        </p:nvSpPr>
+        <p:spPr>
+          <a:xfrm>
+            <a:off x="150359" y="4744152"/>
+            <a:ext cx="695461" cy="333263"/>
+          </a:xfrm>
+          <a:prstGeom prst="roundRect">
+            <a:avLst/>
+          </a:prstGeom>
+          <a:ln/>
+        </p:spPr>
+        <p:style>
+          <a:lnRef idx="2">
+            <a:schemeClr val="accent1"/>
+          </a:lnRef>
+          <a:fillRef idx="1">
+            <a:schemeClr val="lt1"/>
+          </a:fillRef>
+          <a:effectRef idx="0">
+            <a:schemeClr val="accent1"/>
+          </a:effectRef>
+          <a:fontRef idx="minor">
+            <a:schemeClr val="dk1"/>
+          </a:fontRef>
+        </p:style>
+        <p:txBody>
+          <a:bodyPr rtlCol="0" anchor="ctr"/>
+          <a:lstStyle/>
+          <a:p>
+            <a:pPr algn="ctr"/>
+            <a:r>
+              <a:rPr lang="en-US" altLang="ko-KR" sz="800" dirty="0" err="1" smtClean="0">
+                <a:solidFill>
+                  <a:schemeClr val="bg2"/>
+                </a:solidFill>
+              </a:rPr>
+              <a:t>Consel</a:t>
+            </a:r>
+            <a:r>
+              <a:rPr lang="en-US" altLang="ko-KR" sz="800" dirty="0" smtClean="0">
+                <a:solidFill>
+                  <a:schemeClr val="bg2"/>
+                </a:solidFill>
+              </a:rPr>
+              <a:t/>
+            </a:r>
+            <a:br>
+              <a:rPr lang="en-US" altLang="ko-KR" sz="800" dirty="0" smtClean="0">
+                <a:solidFill>
+                  <a:schemeClr val="bg2"/>
+                </a:solidFill>
+              </a:rPr>
+            </a:br>
+            <a:r>
+              <a:rPr lang="ko-KR" altLang="en-US" sz="800" dirty="0" smtClean="0">
+                <a:solidFill>
+                  <a:schemeClr val="bg2"/>
+                </a:solidFill>
+              </a:rPr>
+              <a:t>화면구현</a:t>
+            </a:r>
+            <a:endParaRPr lang="ko-KR" altLang="en-US" sz="800" dirty="0">
+              <a:solidFill>
+                <a:schemeClr val="bg2"/>
+              </a:solidFill>
+            </a:endParaRPr>
           </a:p>
         </p:txBody>
       </p:sp>
@@ -20327,115 +20200,6 @@
               <a:t>화면구현 </a:t>
             </a:r>
             <a:endParaRPr lang="en-US" altLang="ko-KR" sz="2400" b="1" dirty="0"/>
-          </a:p>
-        </p:txBody>
-      </p:sp>
-      <p:sp>
-        <p:nvSpPr>
-          <p:cNvPr id="7" name="모서리가 둥근 직사각형 6"/>
-          <p:cNvSpPr/>
-          <p:nvPr/>
-        </p:nvSpPr>
-        <p:spPr>
-          <a:xfrm>
-            <a:off x="150359" y="4744150"/>
-            <a:ext cx="1697490" cy="333265"/>
-          </a:xfrm>
-          <a:prstGeom prst="roundRect">
-            <a:avLst/>
-          </a:prstGeom>
-          <a:solidFill>
-            <a:schemeClr val="lt1">
-              <a:alpha val="50000"/>
-            </a:schemeClr>
-          </a:solidFill>
-          <a:ln w="12700"/>
-        </p:spPr>
-        <p:style>
-          <a:lnRef idx="2">
-            <a:schemeClr val="dk1"/>
-          </a:lnRef>
-          <a:fillRef idx="1">
-            <a:schemeClr val="lt1"/>
-          </a:fillRef>
-          <a:effectRef idx="0">
-            <a:schemeClr val="dk1"/>
-          </a:effectRef>
-          <a:fontRef idx="minor">
-            <a:schemeClr val="dk1"/>
-          </a:fontRef>
-        </p:style>
-        <p:txBody>
-          <a:bodyPr rtlCol="0" anchor="ctr"/>
-          <a:lstStyle/>
-          <a:p>
-            <a:pPr algn="r"/>
-            <a:r>
-              <a:rPr lang="en-US" altLang="ko-KR" sz="600" smtClean="0"/>
-              <a:t>11</a:t>
-            </a:r>
-            <a:r>
-              <a:rPr lang="en-US" altLang="ko-KR" sz="600" dirty="0" smtClean="0"/>
-              <a:t>. Thread class</a:t>
-            </a:r>
-          </a:p>
-        </p:txBody>
-      </p:sp>
-      <p:sp>
-        <p:nvSpPr>
-          <p:cNvPr id="8" name="모서리가 둥근 직사각형 7"/>
-          <p:cNvSpPr/>
-          <p:nvPr/>
-        </p:nvSpPr>
-        <p:spPr>
-          <a:xfrm>
-            <a:off x="150359" y="4744152"/>
-            <a:ext cx="695461" cy="333263"/>
-          </a:xfrm>
-          <a:prstGeom prst="roundRect">
-            <a:avLst/>
-          </a:prstGeom>
-          <a:ln/>
-        </p:spPr>
-        <p:style>
-          <a:lnRef idx="2">
-            <a:schemeClr val="dk1"/>
-          </a:lnRef>
-          <a:fillRef idx="1">
-            <a:schemeClr val="lt1"/>
-          </a:fillRef>
-          <a:effectRef idx="0">
-            <a:schemeClr val="dk1"/>
-          </a:effectRef>
-          <a:fontRef idx="minor">
-            <a:schemeClr val="dk1"/>
-          </a:fontRef>
-        </p:style>
-        <p:txBody>
-          <a:bodyPr rtlCol="0" anchor="ctr"/>
-          <a:lstStyle/>
-          <a:p>
-            <a:pPr algn="ctr"/>
-            <a:r>
-              <a:rPr lang="en-US" altLang="ko-KR" sz="800" dirty="0"/>
-              <a:t>M(</a:t>
-            </a:r>
-            <a:r>
-              <a:rPr lang="ko-KR" altLang="en-US" sz="800" dirty="0"/>
-              <a:t>데이터</a:t>
-            </a:r>
-            <a:r>
-              <a:rPr lang="en-US" altLang="ko-KR" sz="800" dirty="0"/>
-              <a:t>)</a:t>
-            </a:r>
-            <a:br>
-              <a:rPr lang="en-US" altLang="ko-KR" sz="800" dirty="0"/>
-            </a:br>
-            <a:r>
-              <a:rPr lang="en-US" altLang="ko-KR" sz="800" dirty="0" smtClean="0"/>
-              <a:t>*database</a:t>
-            </a:r>
-            <a:endParaRPr lang="ko-KR" altLang="en-US" sz="800" dirty="0"/>
           </a:p>
         </p:txBody>
       </p:sp>
@@ -21172,7 +20936,7 @@
             </a:pPr>
             <a:r>
               <a:rPr lang="en-US" altLang="ko-KR" sz="1600" dirty="0" smtClean="0"/>
-              <a:t>3-3) </a:t>
+              <a:t>3-4) </a:t>
             </a:r>
             <a:r>
               <a:rPr lang="ko-KR" altLang="en-US" sz="1600" dirty="0" smtClean="0"/>
@@ -21190,7 +20954,80 @@
               <a:rPr lang="en-US" altLang="ko-KR" sz="1600" dirty="0" smtClean="0"/>
               <a:t>)</a:t>
             </a:r>
-            <a:endParaRPr lang="en-US" altLang="ko-KR" sz="1600" dirty="0" smtClean="0"/>
+          </a:p>
+        </p:txBody>
+      </p:sp>
+      <p:sp>
+        <p:nvSpPr>
+          <p:cNvPr id="17" name="모서리가 둥근 직사각형 16"/>
+          <p:cNvSpPr/>
+          <p:nvPr/>
+        </p:nvSpPr>
+        <p:spPr>
+          <a:xfrm>
+            <a:off x="150359" y="4744152"/>
+            <a:ext cx="695461" cy="333263"/>
+          </a:xfrm>
+          <a:prstGeom prst="roundRect">
+            <a:avLst/>
+          </a:prstGeom>
+          <a:ln/>
+        </p:spPr>
+        <p:style>
+          <a:lnRef idx="2">
+            <a:schemeClr val="accent1"/>
+          </a:lnRef>
+          <a:fillRef idx="1">
+            <a:schemeClr val="lt1"/>
+          </a:fillRef>
+          <a:effectRef idx="0">
+            <a:schemeClr val="accent1"/>
+          </a:effectRef>
+          <a:fontRef idx="minor">
+            <a:schemeClr val="dk1"/>
+          </a:fontRef>
+        </p:style>
+        <p:txBody>
+          <a:bodyPr rtlCol="0" anchor="ctr"/>
+          <a:lstStyle/>
+          <a:p>
+            <a:pPr algn="ctr"/>
+            <a:r>
+              <a:rPr lang="en-US" altLang="ko-KR" sz="800" dirty="0" err="1" smtClean="0">
+                <a:solidFill>
+                  <a:schemeClr val="bg2"/>
+                </a:solidFill>
+              </a:rPr>
+              <a:t>Consel</a:t>
+            </a:r>
+            <a:r>
+              <a:rPr lang="en-US" altLang="ko-KR" sz="800" dirty="0" smtClean="0">
+                <a:solidFill>
+                  <a:schemeClr val="bg2"/>
+                </a:solidFill>
+              </a:rPr>
+              <a:t/>
+            </a:r>
+            <a:br>
+              <a:rPr lang="en-US" altLang="ko-KR" sz="800" dirty="0" smtClean="0">
+                <a:solidFill>
+                  <a:schemeClr val="bg2"/>
+                </a:solidFill>
+              </a:rPr>
+            </a:br>
+            <a:r>
+              <a:rPr lang="ko-KR" altLang="en-US" sz="800" dirty="0" smtClean="0">
+                <a:solidFill>
+                  <a:schemeClr val="bg2"/>
+                </a:solidFill>
+              </a:rPr>
+              <a:t>화면구현</a:t>
+            </a:r>
+            <a:endParaRPr lang="ko-KR" altLang="en-US" sz="800" dirty="0">
+              <a:solidFill>
+                <a:schemeClr val="bg2"/>
+              </a:solidFill>
+            </a:endParaRPr>
           </a:p>
         </p:txBody>
       </p:sp>
@@ -21514,115 +21351,6 @@
               <a:t>화면구현 </a:t>
             </a:r>
             <a:endParaRPr lang="en-US" altLang="ko-KR" sz="2400" b="1" dirty="0"/>
-          </a:p>
-        </p:txBody>
-      </p:sp>
-      <p:sp>
-        <p:nvSpPr>
-          <p:cNvPr id="7" name="모서리가 둥근 직사각형 6"/>
-          <p:cNvSpPr/>
-          <p:nvPr/>
-        </p:nvSpPr>
-        <p:spPr>
-          <a:xfrm>
-            <a:off x="150359" y="4744150"/>
-            <a:ext cx="1697490" cy="333265"/>
-          </a:xfrm>
-          <a:prstGeom prst="roundRect">
-            <a:avLst/>
-          </a:prstGeom>
-          <a:solidFill>
-            <a:schemeClr val="lt1">
-              <a:alpha val="50000"/>
-            </a:schemeClr>
-          </a:solidFill>
-          <a:ln w="12700"/>
-        </p:spPr>
-        <p:style>
-          <a:lnRef idx="2">
-            <a:schemeClr val="dk1"/>
-          </a:lnRef>
-          <a:fillRef idx="1">
-            <a:schemeClr val="lt1"/>
-          </a:fillRef>
-          <a:effectRef idx="0">
-            <a:schemeClr val="dk1"/>
-          </a:effectRef>
-          <a:fontRef idx="minor">
-            <a:schemeClr val="dk1"/>
-          </a:fontRef>
-        </p:style>
-        <p:txBody>
-          <a:bodyPr rtlCol="0" anchor="ctr"/>
-          <a:lstStyle/>
-          <a:p>
-            <a:pPr algn="r"/>
-            <a:r>
-              <a:rPr lang="en-US" altLang="ko-KR" sz="600" smtClean="0"/>
-              <a:t>11</a:t>
-            </a:r>
-            <a:r>
-              <a:rPr lang="en-US" altLang="ko-KR" sz="600" dirty="0" smtClean="0"/>
-              <a:t>. Thread class</a:t>
-            </a:r>
-          </a:p>
-        </p:txBody>
-      </p:sp>
-      <p:sp>
-        <p:nvSpPr>
-          <p:cNvPr id="8" name="모서리가 둥근 직사각형 7"/>
-          <p:cNvSpPr/>
-          <p:nvPr/>
-        </p:nvSpPr>
-        <p:spPr>
-          <a:xfrm>
-            <a:off x="150359" y="4744152"/>
-            <a:ext cx="695461" cy="333263"/>
-          </a:xfrm>
-          <a:prstGeom prst="roundRect">
-            <a:avLst/>
-          </a:prstGeom>
-          <a:ln/>
-        </p:spPr>
-        <p:style>
-          <a:lnRef idx="2">
-            <a:schemeClr val="dk1"/>
-          </a:lnRef>
-          <a:fillRef idx="1">
-            <a:schemeClr val="lt1"/>
-          </a:fillRef>
-          <a:effectRef idx="0">
-            <a:schemeClr val="dk1"/>
-          </a:effectRef>
-          <a:fontRef idx="minor">
-            <a:schemeClr val="dk1"/>
-          </a:fontRef>
-        </p:style>
-        <p:txBody>
-          <a:bodyPr rtlCol="0" anchor="ctr"/>
-          <a:lstStyle/>
-          <a:p>
-            <a:pPr algn="ctr"/>
-            <a:r>
-              <a:rPr lang="en-US" altLang="ko-KR" sz="800" dirty="0"/>
-              <a:t>M(</a:t>
-            </a:r>
-            <a:r>
-              <a:rPr lang="ko-KR" altLang="en-US" sz="800" dirty="0"/>
-              <a:t>데이터</a:t>
-            </a:r>
-            <a:r>
-              <a:rPr lang="en-US" altLang="ko-KR" sz="800" dirty="0"/>
-              <a:t>)</a:t>
-            </a:r>
-            <a:br>
-              <a:rPr lang="en-US" altLang="ko-KR" sz="800" dirty="0"/>
-            </a:br>
-            <a:r>
-              <a:rPr lang="en-US" altLang="ko-KR" sz="800" dirty="0" smtClean="0"/>
-              <a:t>*database</a:t>
-            </a:r>
-            <a:endParaRPr lang="ko-KR" altLang="en-US" sz="800" dirty="0"/>
           </a:p>
         </p:txBody>
       </p:sp>
@@ -22540,7 +22268,7 @@
             </a:pPr>
             <a:r>
               <a:rPr lang="en-US" altLang="ko-KR" sz="1600" dirty="0" smtClean="0"/>
-              <a:t>3-4) </a:t>
+              <a:t>3-5) </a:t>
             </a:r>
             <a:r>
               <a:rPr lang="ko-KR" altLang="en-US" sz="1600" dirty="0" smtClean="0"/>
@@ -22562,7 +22290,80 @@
               <a:rPr lang="en-US" altLang="ko-KR" sz="1600" dirty="0" smtClean="0"/>
               <a:t>)</a:t>
             </a:r>
-            <a:endParaRPr lang="en-US" altLang="ko-KR" sz="1600" dirty="0" smtClean="0"/>
+          </a:p>
+        </p:txBody>
+      </p:sp>
+      <p:sp>
+        <p:nvSpPr>
+          <p:cNvPr id="19" name="모서리가 둥근 직사각형 18"/>
+          <p:cNvSpPr/>
+          <p:nvPr/>
+        </p:nvSpPr>
+        <p:spPr>
+          <a:xfrm>
+            <a:off x="150359" y="4744152"/>
+            <a:ext cx="695461" cy="333263"/>
+          </a:xfrm>
+          <a:prstGeom prst="roundRect">
+            <a:avLst/>
+          </a:prstGeom>
+          <a:ln/>
+        </p:spPr>
+        <p:style>
+          <a:lnRef idx="2">
+            <a:schemeClr val="accent1"/>
+          </a:lnRef>
+          <a:fillRef idx="1">
+            <a:schemeClr val="lt1"/>
+          </a:fillRef>
+          <a:effectRef idx="0">
+            <a:schemeClr val="accent1"/>
+          </a:effectRef>
+          <a:fontRef idx="minor">
+            <a:schemeClr val="dk1"/>
+          </a:fontRef>
+        </p:style>
+        <p:txBody>
+          <a:bodyPr rtlCol="0" anchor="ctr"/>
+          <a:lstStyle/>
+          <a:p>
+            <a:pPr algn="ctr"/>
+            <a:r>
+              <a:rPr lang="en-US" altLang="ko-KR" sz="800" dirty="0" err="1" smtClean="0">
+                <a:solidFill>
+                  <a:schemeClr val="bg2"/>
+                </a:solidFill>
+              </a:rPr>
+              <a:t>Consel</a:t>
+            </a:r>
+            <a:r>
+              <a:rPr lang="en-US" altLang="ko-KR" sz="800" dirty="0" smtClean="0">
+                <a:solidFill>
+                  <a:schemeClr val="bg2"/>
+                </a:solidFill>
+              </a:rPr>
+              <a:t/>
+            </a:r>
+            <a:br>
+              <a:rPr lang="en-US" altLang="ko-KR" sz="800" dirty="0" smtClean="0">
+                <a:solidFill>
+                  <a:schemeClr val="bg2"/>
+                </a:solidFill>
+              </a:rPr>
+            </a:br>
+            <a:r>
+              <a:rPr lang="ko-KR" altLang="en-US" sz="800" dirty="0" smtClean="0">
+                <a:solidFill>
+                  <a:schemeClr val="bg2"/>
+                </a:solidFill>
+              </a:rPr>
+              <a:t>화면구현</a:t>
+            </a:r>
+            <a:endParaRPr lang="ko-KR" altLang="en-US" sz="800" dirty="0">
+              <a:solidFill>
+                <a:schemeClr val="bg2"/>
+              </a:solidFill>
+            </a:endParaRPr>
           </a:p>
         </p:txBody>
       </p:sp>
@@ -22891,57 +22692,6 @@
       </p:sp>
       <p:sp>
         <p:nvSpPr>
-          <p:cNvPr id="7" name="모서리가 둥근 직사각형 6"/>
-          <p:cNvSpPr/>
-          <p:nvPr/>
-        </p:nvSpPr>
-        <p:spPr>
-          <a:xfrm>
-            <a:off x="150359" y="4744150"/>
-            <a:ext cx="1697490" cy="333265"/>
-          </a:xfrm>
-          <a:prstGeom prst="roundRect">
-            <a:avLst/>
-          </a:prstGeom>
-          <a:solidFill>
-            <a:schemeClr val="lt1">
-              <a:alpha val="50000"/>
-            </a:schemeClr>
-          </a:solidFill>
-          <a:ln w="12700"/>
-        </p:spPr>
-        <p:style>
-          <a:lnRef idx="2">
-            <a:schemeClr val="dk1"/>
-          </a:lnRef>
-          <a:fillRef idx="1">
-            <a:schemeClr val="lt1"/>
-          </a:fillRef>
-          <a:effectRef idx="0">
-            <a:schemeClr val="dk1"/>
-          </a:effectRef>
-          <a:fontRef idx="minor">
-            <a:schemeClr val="dk1"/>
-          </a:fontRef>
-        </p:style>
-        <p:txBody>
-          <a:bodyPr rtlCol="0" anchor="ctr"/>
-          <a:lstStyle/>
-          <a:p>
-            <a:pPr algn="r"/>
-            <a:r>
-              <a:rPr lang="en-US" altLang="ko-KR" sz="600" smtClean="0"/>
-              <a:t>11</a:t>
-            </a:r>
-            <a:r>
-              <a:rPr lang="en-US" altLang="ko-KR" sz="600" dirty="0" smtClean="0"/>
-              <a:t>. Thread class</a:t>
-            </a:r>
-          </a:p>
-        </p:txBody>
-      </p:sp>
-      <p:sp>
-        <p:nvSpPr>
           <p:cNvPr id="8" name="모서리가 둥근 직사각형 7"/>
           <p:cNvSpPr/>
           <p:nvPr/>
@@ -22958,13 +22708,13 @@
         </p:spPr>
         <p:style>
           <a:lnRef idx="2">
-            <a:schemeClr val="dk1"/>
+            <a:schemeClr val="accent1"/>
           </a:lnRef>
           <a:fillRef idx="1">
             <a:schemeClr val="lt1"/>
           </a:fillRef>
           <a:effectRef idx="0">
-            <a:schemeClr val="dk1"/>
+            <a:schemeClr val="accent1"/>
           </a:effectRef>
           <a:fontRef idx="minor">
             <a:schemeClr val="dk1"/>
@@ -22976,25 +22726,41 @@
           <a:p>
             <a:pPr algn="ctr"/>
             <a:r>
-              <a:rPr lang="en-US" altLang="ko-KR" sz="800" dirty="0"/>
-              <a:t>M(</a:t>
-            </a:r>
-            <a:r>
-              <a:rPr lang="ko-KR" altLang="en-US" sz="800" dirty="0"/>
-              <a:t>데이터</a:t>
-            </a:r>
-            <a:r>
-              <a:rPr lang="en-US" altLang="ko-KR" sz="800" dirty="0"/>
-              <a:t>)</a:t>
+              <a:rPr lang="en-US" altLang="ko-KR" sz="800" dirty="0" err="1" smtClean="0">
+                <a:solidFill>
+                  <a:schemeClr val="bg2"/>
+                </a:solidFill>
+              </a:rPr>
+              <a:t>Consel</a:t>
+            </a:r>
+            <a:r>
+              <a:rPr lang="en-US" altLang="ko-KR" sz="800" dirty="0" smtClean="0">
+                <a:solidFill>
+                  <a:schemeClr val="bg2"/>
+                </a:solidFill>
+              </a:rPr>
+              <a:t/>
             </a:r>
             <a:br>
-              <a:rPr lang="en-US" altLang="ko-KR" sz="800" dirty="0"/>
+              <a:rPr lang="en-US" altLang="ko-KR" sz="800" dirty="0" smtClean="0">
+                <a:solidFill>
+                  <a:schemeClr val="bg2"/>
+                </a:solidFill>
+              </a:rPr>
             </a:br>
             <a:r>
-              <a:rPr lang="en-US" altLang="ko-KR" sz="800" dirty="0" smtClean="0"/>
-              <a:t>*database</a:t>
-            </a:r>
-            <a:endParaRPr lang="ko-KR" altLang="en-US" sz="800" dirty="0"/>
+              <a:rPr lang="ko-KR" altLang="en-US" sz="800" dirty="0" smtClean="0">
+                <a:solidFill>
+                  <a:schemeClr val="bg2"/>
+                </a:solidFill>
+              </a:rPr>
+              <a:t>화면구현</a:t>
+            </a:r>
+            <a:endParaRPr lang="ko-KR" altLang="en-US" sz="800" dirty="0">
+              <a:solidFill>
+                <a:schemeClr val="bg2"/>
+              </a:solidFill>
+            </a:endParaRPr>
           </a:p>
         </p:txBody>
       </p:sp>
@@ -23822,7 +23588,7 @@
             </a:pPr>
             <a:r>
               <a:rPr lang="en-US" altLang="ko-KR" sz="1600" dirty="0" smtClean="0"/>
-              <a:t>3-5) </a:t>
+              <a:t>3-6) </a:t>
             </a:r>
             <a:r>
               <a:rPr lang="ko-KR" altLang="en-US" sz="1600" dirty="0" smtClean="0"/>
@@ -23840,7 +23606,6 @@
               <a:rPr lang="en-US" altLang="ko-KR" sz="1600" dirty="0" smtClean="0"/>
               <a:t>)</a:t>
             </a:r>
-            <a:endParaRPr lang="en-US" altLang="ko-KR" sz="1600" dirty="0" smtClean="0"/>
           </a:p>
         </p:txBody>
       </p:sp>
@@ -24242,7 +24007,23 @@
                   <a:srgbClr val="000000"/>
                 </a:solidFill>
               </a:rPr>
-              <a:t>6-1. </a:t>
+              <a:t>3</a:t>
+            </a:r>
+            <a:r>
+              <a:rPr lang="en-US" altLang="ko-KR" sz="1600" dirty="0" smtClean="0">
+                <a:solidFill>
+                  <a:srgbClr val="000000"/>
+                </a:solidFill>
+              </a:rPr>
+              <a:t>-1</a:t>
+            </a:r>
+            <a:r>
+              <a:rPr lang="en-US" altLang="ko-KR" sz="1600" dirty="0">
+                <a:solidFill>
+                  <a:srgbClr val="000000"/>
+                </a:solidFill>
+              </a:rPr>
+              <a:t>. </a:t>
             </a:r>
             <a:r>
               <a:rPr lang="ko-KR" altLang="en-US" sz="1600" dirty="0" smtClean="0">
@@ -24276,7 +24057,7 @@
         </p:nvGraphicFramePr>
         <p:xfrm>
           <a:off x="430470" y="1265938"/>
-          <a:ext cx="8096311" cy="3293491"/>
+          <a:ext cx="8096311" cy="3310128"/>
         </p:xfrm>
         <a:graphic>
           <a:graphicData uri="http://schemas.openxmlformats.org/drawingml/2006/table">
@@ -24288,21 +24069,21 @@
                 <a:gridCol w="1405950">
                   <a:extLst>
                     <a:ext uri="{9D8B030D-6E8A-4147-A177-3AD203B41FA5}">
-                      <a16:colId xmlns="" xmlns:a16="http://schemas.microsoft.com/office/drawing/2014/main" val="20000"/>
+                      <a16:colId xmlns:a16="http://schemas.microsoft.com/office/drawing/2014/main" xmlns="" val="20000"/>
                     </a:ext>
                   </a:extLst>
                 </a:gridCol>
                 <a:gridCol w="2565763">
                   <a:extLst>
                     <a:ext uri="{9D8B030D-6E8A-4147-A177-3AD203B41FA5}">
-                      <a16:colId xmlns="" xmlns:a16="http://schemas.microsoft.com/office/drawing/2014/main" val="20001"/>
+                      <a16:colId xmlns:a16="http://schemas.microsoft.com/office/drawing/2014/main" xmlns="" val="20001"/>
                     </a:ext>
                   </a:extLst>
                 </a:gridCol>
                 <a:gridCol w="4124598">
                   <a:extLst>
                     <a:ext uri="{9D8B030D-6E8A-4147-A177-3AD203B41FA5}">
-                      <a16:colId xmlns="" xmlns:a16="http://schemas.microsoft.com/office/drawing/2014/main" val="20002"/>
+                      <a16:colId xmlns:a16="http://schemas.microsoft.com/office/drawing/2014/main" xmlns="" val="20002"/>
                     </a:ext>
                   </a:extLst>
                 </a:gridCol>
@@ -24505,7 +24286,7 @@
                 </a:tc>
                 <a:extLst>
                   <a:ext uri="{0D108BD9-81ED-4DB2-BD59-A6C34878D82A}">
-                    <a16:rowId xmlns="" xmlns:a16="http://schemas.microsoft.com/office/drawing/2014/main" val="10000"/>
+                    <a16:rowId xmlns:a16="http://schemas.microsoft.com/office/drawing/2014/main" xmlns="" val="10000"/>
                   </a:ext>
                 </a:extLst>
               </a:tr>
@@ -24709,19 +24490,7 @@
                           <a:cs typeface="+mn-cs"/>
                           <a:sym typeface="Arial"/>
                         </a:rPr>
-                        <a:t> </a:t>
-                      </a:r>
-                      <a:r>
-                        <a:rPr lang="ko-KR" altLang="en-US" sz="1100" b="0" i="0" u="none" strike="noStrike" cap="none" dirty="0" smtClean="0">
-                          <a:solidFill>
-                            <a:schemeClr val="bg2"/>
-                          </a:solidFill>
-                          <a:latin typeface="+mn-lt"/>
-                          <a:ea typeface="+mn-ea"/>
-                          <a:cs typeface="+mn-cs"/>
-                          <a:sym typeface="Arial"/>
-                        </a:rPr>
-                        <a:t>설계</a:t>
+                        <a:t> 설계</a:t>
                       </a:r>
                       <a:endParaRPr lang="en-US" altLang="ko-KR" sz="1100" b="0" i="0" u="none" strike="noStrike" cap="none" dirty="0" smtClean="0">
                         <a:solidFill>
@@ -25025,7 +24794,7 @@
                 </a:tc>
                 <a:extLst>
                   <a:ext uri="{0D108BD9-81ED-4DB2-BD59-A6C34878D82A}">
-                    <a16:rowId xmlns="" xmlns:a16="http://schemas.microsoft.com/office/drawing/2014/main" val="10001"/>
+                    <a16:rowId xmlns:a16="http://schemas.microsoft.com/office/drawing/2014/main" xmlns="" val="10001"/>
                   </a:ext>
                 </a:extLst>
               </a:tr>
@@ -25154,19 +24923,7 @@
                           <a:cs typeface="+mn-cs"/>
                           <a:sym typeface="Arial"/>
                         </a:rPr>
-                        <a:t>클래스 </a:t>
-                      </a:r>
-                      <a:r>
-                        <a:rPr lang="ko-KR" altLang="en-US" sz="1100" b="0" i="0" u="none" strike="noStrike" cap="none" dirty="0" smtClean="0">
-                          <a:solidFill>
-                            <a:schemeClr val="bg2"/>
-                          </a:solidFill>
-                          <a:latin typeface="+mn-lt"/>
-                          <a:ea typeface="+mn-ea"/>
-                          <a:cs typeface="+mn-cs"/>
-                          <a:sym typeface="Arial"/>
-                        </a:rPr>
-                        <a:t>취합</a:t>
+                        <a:t>클래스 취합</a:t>
                       </a:r>
                       <a:r>
                         <a:rPr lang="en-US" altLang="ko-KR" sz="1100" b="0" i="0" u="none" strike="noStrike" cap="none" baseline="0" dirty="0" smtClean="0">
@@ -25605,7 +25362,7 @@
                 </a:tc>
                 <a:extLst>
                   <a:ext uri="{0D108BD9-81ED-4DB2-BD59-A6C34878D82A}">
-                    <a16:rowId xmlns="" xmlns:a16="http://schemas.microsoft.com/office/drawing/2014/main" val="10002"/>
+                    <a16:rowId xmlns:a16="http://schemas.microsoft.com/office/drawing/2014/main" xmlns="" val="10002"/>
                   </a:ext>
                 </a:extLst>
               </a:tr>
@@ -26243,7 +26000,7 @@
                 </a:tc>
                 <a:extLst>
                   <a:ext uri="{0D108BD9-81ED-4DB2-BD59-A6C34878D82A}">
-                    <a16:rowId xmlns="" xmlns:a16="http://schemas.microsoft.com/office/drawing/2014/main" val="10003"/>
+                    <a16:rowId xmlns:a16="http://schemas.microsoft.com/office/drawing/2014/main" xmlns="" val="10003"/>
                   </a:ext>
                 </a:extLst>
               </a:tr>
@@ -26723,12 +26480,28 @@
               </a:lnSpc>
             </a:pPr>
             <a:r>
+              <a:rPr lang="en-US" altLang="ko-KR" sz="1600" dirty="0">
+                <a:solidFill>
+                  <a:srgbClr val="000000"/>
+                </a:solidFill>
+              </a:rPr>
+              <a:t>3</a:t>
+            </a:r>
+            <a:r>
               <a:rPr lang="en-US" altLang="ko-KR" sz="1600" dirty="0" smtClean="0">
                 <a:solidFill>
                   <a:srgbClr val="000000"/>
                 </a:solidFill>
               </a:rPr>
-              <a:t>6-2. </a:t>
+              <a:t>-2</a:t>
+            </a:r>
+            <a:r>
+              <a:rPr lang="en-US" altLang="ko-KR" sz="1600" dirty="0" smtClean="0">
+                <a:solidFill>
+                  <a:srgbClr val="000000"/>
+                </a:solidFill>
+              </a:rPr>
+              <a:t>. </a:t>
             </a:r>
             <a:r>
               <a:rPr lang="ko-KR" altLang="en-US" sz="1600" dirty="0" smtClean="0">
@@ -30304,11 +30077,7 @@
             </a:br>
             <a:r>
               <a:rPr lang="en-US" altLang="ko-KR" sz="700" dirty="0" smtClean="0"/>
-              <a:t> </a:t>
-            </a:r>
-            <a:r>
-              <a:rPr lang="en-US" altLang="ko-KR" sz="700" dirty="0" smtClean="0"/>
-              <a:t>&gt; Main : </a:t>
+              <a:t> &gt; Main : </a:t>
             </a:r>
             <a:r>
               <a:rPr lang="ko-KR" altLang="en-US" sz="700" dirty="0" err="1" smtClean="0"/>
@@ -30375,15 +30144,7 @@
             </a:r>
             <a:r>
               <a:rPr lang="en-US" altLang="ko-KR" sz="700" dirty="0" smtClean="0"/>
-              <a:t>&gt; </a:t>
-            </a:r>
-            <a:r>
-              <a:rPr lang="en-US" altLang="ko-KR" sz="700" dirty="0" smtClean="0"/>
-              <a:t>Hotel1 </a:t>
-            </a:r>
-            <a:r>
-              <a:rPr lang="en-US" altLang="ko-KR" sz="700" dirty="0" smtClean="0"/>
-              <a:t>/ Hotel2 / Hotel3 </a:t>
+              <a:t>&gt; Hotel1 / Hotel2 / Hotel3 </a:t>
             </a:r>
             <a:r>
               <a:rPr lang="ko-KR" altLang="en-US" sz="700" dirty="0" smtClean="0"/>
@@ -30697,7 +30458,6 @@
               <a:rPr lang="ko-KR" altLang="en-US" sz="2200" dirty="0"/>
               <a:t>코드설계</a:t>
             </a:r>
-            <a:endParaRPr lang="ko-KR" altLang="en-US" sz="2200" dirty="0"/>
           </a:p>
         </p:txBody>
       </p:sp>
@@ -32531,7 +32291,6 @@
               <a:rPr lang="ko-KR" altLang="en-US" sz="2200" dirty="0"/>
               <a:t>코드설계</a:t>
             </a:r>
-            <a:endParaRPr lang="ko-KR" altLang="en-US" sz="2200" dirty="0"/>
           </a:p>
         </p:txBody>
       </p:sp>
@@ -33603,7 +33362,6 @@
               <a:rPr lang="ko-KR" altLang="en-US" sz="900" dirty="0"/>
               <a:t> </a:t>
             </a:r>
-            <a:endParaRPr lang="ko-KR" altLang="en-US" sz="900" dirty="0"/>
           </a:p>
         </p:txBody>
       </p:sp>
@@ -36997,7 +36755,6 @@
               <a:rPr lang="ko-KR" altLang="en-US" sz="2200" dirty="0"/>
               <a:t>코드설계</a:t>
             </a:r>
-            <a:endParaRPr lang="ko-KR" altLang="en-US" sz="2200" dirty="0"/>
           </a:p>
         </p:txBody>
       </p:sp>
@@ -38391,11 +38148,7 @@
             </a:pPr>
             <a:r>
               <a:rPr lang="en-US" altLang="ko-KR" dirty="0" smtClean="0"/>
-              <a:t>2-1) Main </a:t>
-            </a:r>
-            <a:r>
-              <a:rPr lang="en-US" altLang="ko-KR" dirty="0" smtClean="0"/>
-              <a:t>Class - </a:t>
+              <a:t>2-1) Main Class - </a:t>
             </a:r>
             <a:r>
               <a:rPr lang="ko-KR" altLang="en-US" dirty="0" smtClean="0"/>
@@ -38689,7 +38442,6 @@
               <a:rPr lang="ko-KR" altLang="en-US" sz="2200" dirty="0"/>
               <a:t>코드설계</a:t>
             </a:r>
-            <a:endParaRPr lang="ko-KR" altLang="en-US" sz="2200" dirty="0"/>
           </a:p>
         </p:txBody>
       </p:sp>
@@ -39988,11 +39740,7 @@
             </a:r>
             <a:r>
               <a:rPr lang="en-US" altLang="ko-KR" sz="1200" dirty="0" smtClean="0"/>
-              <a:t>Member </a:t>
-            </a:r>
-            <a:r>
-              <a:rPr lang="en-US" altLang="ko-KR" sz="1200" dirty="0" smtClean="0"/>
-              <a:t>controller class</a:t>
+              <a:t>Member controller class</a:t>
             </a:r>
             <a:endParaRPr lang="en-US" altLang="ko-KR" sz="1200" dirty="0"/>
           </a:p>
@@ -40008,23 +39756,11 @@
             </a:pPr>
             <a:r>
               <a:rPr lang="en-US" altLang="ko-KR" sz="1000" dirty="0" smtClean="0"/>
-              <a:t>- 1</a:t>
-            </a:r>
-            <a:r>
-              <a:rPr lang="en-US" altLang="ko-KR" sz="1000" dirty="0" smtClean="0"/>
-              <a:t>. </a:t>
-            </a:r>
-            <a:r>
-              <a:rPr lang="en-US" altLang="ko-KR" sz="1000" dirty="0" smtClean="0"/>
-              <a:t>Member </a:t>
+              <a:t>- 1. Member </a:t>
             </a:r>
             <a:r>
               <a:rPr lang="ko-KR" altLang="en-US" sz="1000" dirty="0" smtClean="0"/>
-              <a:t>클래스의 필드</a:t>
-            </a:r>
-            <a:r>
-              <a:rPr lang="ko-KR" altLang="en-US" sz="1000" dirty="0" smtClean="0"/>
-              <a:t>를  </a:t>
+              <a:t>클래스의 필드를  </a:t>
             </a:r>
             <a:r>
               <a:rPr lang="en-US" altLang="ko-KR" sz="1000" dirty="0" smtClean="0"/>
@@ -40067,11 +39803,7 @@
             </a:br>
             <a:r>
               <a:rPr lang="en-US" altLang="ko-KR" sz="1000" dirty="0" smtClean="0"/>
-              <a:t>- </a:t>
-            </a:r>
-            <a:r>
-              <a:rPr lang="en-US" altLang="ko-KR" sz="1000" dirty="0" smtClean="0"/>
-              <a:t>2. </a:t>
+              <a:t>- 2. </a:t>
             </a:r>
             <a:r>
               <a:rPr lang="en-US" altLang="ko-KR" sz="1000" dirty="0" err="1" smtClean="0"/>
@@ -40590,7 +40322,6 @@
               <a:rPr lang="ko-KR" altLang="en-US" sz="2200" dirty="0"/>
               <a:t>코드설계</a:t>
             </a:r>
-            <a:endParaRPr lang="ko-KR" altLang="en-US" sz="2200" dirty="0"/>
           </a:p>
         </p:txBody>
       </p:sp>
